--- a/src/main/com/wqj/cv/bighomework/ZF2021347_吴清杰.pptx
+++ b/src/main/com/wqj/cv/bighomework/ZF2021347_吴清杰.pptx
@@ -110,6 +110,11 @@
       </a:defRPr>
     </a:lvl9pPr>
   </p:defaultTextStyle>
+  <p:extLst>
+    <p:ext uri="{EFAFB233-063F-42B5-8137-9DF3F51BA10A}">
+      <p15:sldGuideLst xmlns:p15="http://schemas.microsoft.com/office/powerpoint/2012/main"/>
+    </p:ext>
+  </p:extLst>
 </p:presentation>
 </file>
 
@@ -4521,10 +4526,10 @@
                 <a:latin typeface="宋体" panose="02010600030101010101" pitchFamily="2" charset="-122"/>
                 <a:ea typeface="宋体" panose="02010600030101010101" pitchFamily="2" charset="-122"/>
               </a:rPr>
-              <a:t>中包含物体的置信度和</a:t>
-            </a:r>
-            <a:r>
-              <a:rPr lang="en-US" altLang="zh-CN" sz="2800" b="0" i="0" dirty="0">
+              <a:t>中包含物体的置信</a:t>
+            </a:r>
+            <a:r>
+              <a:rPr lang="zh-CN" altLang="en-US" sz="2800" b="0" i="0">
                 <a:solidFill>
                   <a:srgbClr val="121212"/>
                 </a:solidFill>
@@ -4532,7 +4537,29 @@
                 <a:latin typeface="宋体" panose="02010600030101010101" pitchFamily="2" charset="-122"/>
                 <a:ea typeface="宋体" panose="02010600030101010101" pitchFamily="2" charset="-122"/>
               </a:rPr>
-              <a:t>class probabilities</a:t>
+              <a:t>度和</a:t>
+            </a:r>
+            <a:r>
+              <a:rPr lang="en-US" altLang="zh-CN" sz="2800" b="0" i="0">
+                <a:solidFill>
+                  <a:srgbClr val="121212"/>
+                </a:solidFill>
+                <a:effectLst/>
+                <a:latin typeface="宋体" panose="02010600030101010101" pitchFamily="2" charset="-122"/>
+                <a:ea typeface="宋体" panose="02010600030101010101" pitchFamily="2" charset="-122"/>
+              </a:rPr>
+              <a:t>class </a:t>
+            </a:r>
+            <a:r>
+              <a:rPr lang="en-US" altLang="zh-CN" sz="2800" b="0" i="0" dirty="0">
+                <a:solidFill>
+                  <a:srgbClr val="121212"/>
+                </a:solidFill>
+                <a:effectLst/>
+                <a:latin typeface="宋体" panose="02010600030101010101" pitchFamily="2" charset="-122"/>
+                <a:ea typeface="宋体" panose="02010600030101010101" pitchFamily="2" charset="-122"/>
+              </a:rPr>
+              <a:t>probabilities</a:t>
             </a:r>
           </a:p>
           <a:p>

--- a/src/main/com/wqj/cv/bighomework/ZF2021347_吴清杰.pptx
+++ b/src/main/com/wqj/cv/bighomework/ZF2021347_吴清杰.pptx
@@ -265,7 +265,7 @@
           <a:p>
             <a:fld id="{BD2C03DC-A71E-4CFF-8BF7-53D7F3EE4DB1}" type="datetimeFigureOut">
               <a:rPr lang="zh-CN" altLang="en-US" smtClean="0"/>
-              <a:t>2021/5/11</a:t>
+              <a:t>2021/5/12</a:t>
             </a:fld>
             <a:endParaRPr lang="zh-CN" altLang="en-US"/>
           </a:p>
@@ -463,7 +463,7 @@
           <a:p>
             <a:fld id="{BD2C03DC-A71E-4CFF-8BF7-53D7F3EE4DB1}" type="datetimeFigureOut">
               <a:rPr lang="zh-CN" altLang="en-US" smtClean="0"/>
-              <a:t>2021/5/11</a:t>
+              <a:t>2021/5/12</a:t>
             </a:fld>
             <a:endParaRPr lang="zh-CN" altLang="en-US"/>
           </a:p>
@@ -671,7 +671,7 @@
           <a:p>
             <a:fld id="{BD2C03DC-A71E-4CFF-8BF7-53D7F3EE4DB1}" type="datetimeFigureOut">
               <a:rPr lang="zh-CN" altLang="en-US" smtClean="0"/>
-              <a:t>2021/5/11</a:t>
+              <a:t>2021/5/12</a:t>
             </a:fld>
             <a:endParaRPr lang="zh-CN" altLang="en-US"/>
           </a:p>
@@ -869,7 +869,7 @@
           <a:p>
             <a:fld id="{BD2C03DC-A71E-4CFF-8BF7-53D7F3EE4DB1}" type="datetimeFigureOut">
               <a:rPr lang="zh-CN" altLang="en-US" smtClean="0"/>
-              <a:t>2021/5/11</a:t>
+              <a:t>2021/5/12</a:t>
             </a:fld>
             <a:endParaRPr lang="zh-CN" altLang="en-US"/>
           </a:p>
@@ -1144,7 +1144,7 @@
           <a:p>
             <a:fld id="{BD2C03DC-A71E-4CFF-8BF7-53D7F3EE4DB1}" type="datetimeFigureOut">
               <a:rPr lang="zh-CN" altLang="en-US" smtClean="0"/>
-              <a:t>2021/5/11</a:t>
+              <a:t>2021/5/12</a:t>
             </a:fld>
             <a:endParaRPr lang="zh-CN" altLang="en-US"/>
           </a:p>
@@ -1409,7 +1409,7 @@
           <a:p>
             <a:fld id="{BD2C03DC-A71E-4CFF-8BF7-53D7F3EE4DB1}" type="datetimeFigureOut">
               <a:rPr lang="zh-CN" altLang="en-US" smtClean="0"/>
-              <a:t>2021/5/11</a:t>
+              <a:t>2021/5/12</a:t>
             </a:fld>
             <a:endParaRPr lang="zh-CN" altLang="en-US"/>
           </a:p>
@@ -1821,7 +1821,7 @@
           <a:p>
             <a:fld id="{BD2C03DC-A71E-4CFF-8BF7-53D7F3EE4DB1}" type="datetimeFigureOut">
               <a:rPr lang="zh-CN" altLang="en-US" smtClean="0"/>
-              <a:t>2021/5/11</a:t>
+              <a:t>2021/5/12</a:t>
             </a:fld>
             <a:endParaRPr lang="zh-CN" altLang="en-US"/>
           </a:p>
@@ -1962,7 +1962,7 @@
           <a:p>
             <a:fld id="{BD2C03DC-A71E-4CFF-8BF7-53D7F3EE4DB1}" type="datetimeFigureOut">
               <a:rPr lang="zh-CN" altLang="en-US" smtClean="0"/>
-              <a:t>2021/5/11</a:t>
+              <a:t>2021/5/12</a:t>
             </a:fld>
             <a:endParaRPr lang="zh-CN" altLang="en-US"/>
           </a:p>
@@ -2075,7 +2075,7 @@
           <a:p>
             <a:fld id="{BD2C03DC-A71E-4CFF-8BF7-53D7F3EE4DB1}" type="datetimeFigureOut">
               <a:rPr lang="zh-CN" altLang="en-US" smtClean="0"/>
-              <a:t>2021/5/11</a:t>
+              <a:t>2021/5/12</a:t>
             </a:fld>
             <a:endParaRPr lang="zh-CN" altLang="en-US"/>
           </a:p>
@@ -2386,7 +2386,7 @@
           <a:p>
             <a:fld id="{BD2C03DC-A71E-4CFF-8BF7-53D7F3EE4DB1}" type="datetimeFigureOut">
               <a:rPr lang="zh-CN" altLang="en-US" smtClean="0"/>
-              <a:t>2021/5/11</a:t>
+              <a:t>2021/5/12</a:t>
             </a:fld>
             <a:endParaRPr lang="zh-CN" altLang="en-US"/>
           </a:p>
@@ -2674,7 +2674,7 @@
           <a:p>
             <a:fld id="{BD2C03DC-A71E-4CFF-8BF7-53D7F3EE4DB1}" type="datetimeFigureOut">
               <a:rPr lang="zh-CN" altLang="en-US" smtClean="0"/>
-              <a:t>2021/5/11</a:t>
+              <a:t>2021/5/12</a:t>
             </a:fld>
             <a:endParaRPr lang="zh-CN" altLang="en-US"/>
           </a:p>
@@ -2915,7 +2915,7 @@
           <a:p>
             <a:fld id="{BD2C03DC-A71E-4CFF-8BF7-53D7F3EE4DB1}" type="datetimeFigureOut">
               <a:rPr lang="zh-CN" altLang="en-US" smtClean="0"/>
-              <a:t>2021/5/11</a:t>
+              <a:t>2021/5/12</a:t>
             </a:fld>
             <a:endParaRPr lang="zh-CN" altLang="en-US"/>
           </a:p>
@@ -3846,7 +3846,7 @@
                 <a:effectLst/>
                 <a:latin typeface="-apple-system"/>
               </a:rPr>
-              <a:t>就是五维的，</a:t>
+              <a:t>就是五维的，其要预测</a:t>
             </a:r>
             <a:r>
               <a:rPr lang="en-US" altLang="zh-CN" b="0" i="0" dirty="0" err="1">
@@ -4022,8 +4022,8 @@
         </p:blipFill>
         <p:spPr>
           <a:xfrm>
-            <a:off x="0" y="1708093"/>
-            <a:ext cx="7633525" cy="4784782"/>
+            <a:off x="335978" y="2144973"/>
+            <a:ext cx="7217982" cy="4524315"/>
           </a:xfrm>
           <a:prstGeom prst="rect">
             <a:avLst/>
@@ -4330,6 +4330,41 @@
           </a:p>
           <a:p>
             <a:endParaRPr lang="zh-CN" altLang="en-US" dirty="0"/>
+          </a:p>
+        </p:txBody>
+      </p:sp>
+      <p:sp>
+        <p:nvSpPr>
+          <p:cNvPr id="2" name="文本框 1">
+            <a:extLst>
+              <a:ext uri="{FF2B5EF4-FFF2-40B4-BE49-F238E27FC236}">
+                <a16:creationId xmlns:a16="http://schemas.microsoft.com/office/drawing/2014/main" id="{3BC12ACF-A5AD-4133-AF87-EA7FFE6E3375}"/>
+              </a:ext>
+            </a:extLst>
+          </p:cNvPr>
+          <p:cNvSpPr txBox="1"/>
+          <p:nvPr/>
+        </p:nvSpPr>
+        <p:spPr>
+          <a:xfrm>
+            <a:off x="579120" y="1330960"/>
+            <a:ext cx="2987040" cy="369332"/>
+          </a:xfrm>
+          <a:prstGeom prst="rect">
+            <a:avLst/>
+          </a:prstGeom>
+          <a:noFill/>
+        </p:spPr>
+        <p:txBody>
+          <a:bodyPr wrap="square" rtlCol="0">
+            <a:spAutoFit/>
+          </a:bodyPr>
+          <a:lstStyle/>
+          <a:p>
+            <a:r>
+              <a:rPr lang="zh-CN" altLang="en-US" dirty="0"/>
+              <a:t>损失函数</a:t>
+            </a:r>
           </a:p>
         </p:txBody>
       </p:sp>
@@ -4806,7 +4841,15 @@
             </a:pPr>
             <a:r>
               <a:rPr lang="zh-CN" altLang="en-US" dirty="0"/>
-              <a:t>对原始的训练数据进行K-means聚类，定义K个聚类中心</a:t>
+              <a:t>对原始的</a:t>
+            </a:r>
+            <a:r>
+              <a:rPr lang="zh-CN" altLang="en-US"/>
+              <a:t>训练数据提取特征后进行</a:t>
+            </a:r>
+            <a:r>
+              <a:rPr lang="zh-CN" altLang="en-US" dirty="0"/>
+              <a:t>K-means聚类，定义K个聚类中心</a:t>
             </a:r>
             <a:r>
               <a:rPr lang="en-US" altLang="zh-CN" dirty="0"/>
